--- a/src/assets/ImageCover.pptx
+++ b/src/assets/ImageCover.pptx
@@ -6,6 +6,7 @@
   </p:sldMasterIdLst>
   <p:sldIdLst>
     <p:sldId id="256" r:id="rId2"/>
+    <p:sldId id="257" r:id="rId3"/>
   </p:sldIdLst>
   <p:sldSz cx="12192000" cy="6858000"/>
   <p:notesSz cx="6858000" cy="9144000"/>
@@ -3342,205 +3343,373 @@
           <a:chExt cx="0" cy="0"/>
         </a:xfrm>
       </p:grpSpPr>
-      <p:sp>
-        <p:nvSpPr>
-          <p:cNvPr id="6" name="Elipse 5">
-            <a:extLst>
-              <a:ext uri="{FF2B5EF4-FFF2-40B4-BE49-F238E27FC236}">
-                <a16:creationId xmlns:a16="http://schemas.microsoft.com/office/drawing/2014/main" id="{F765F4A4-43C4-9095-61A7-138E7F564020}"/>
-              </a:ext>
-            </a:extLst>
-          </p:cNvPr>
-          <p:cNvSpPr/>
+      <p:grpSp>
+        <p:nvGrpSpPr>
+          <p:cNvPr id="13" name="Grupo 12">
+            <a:extLst>
+              <a:ext uri="{FF2B5EF4-FFF2-40B4-BE49-F238E27FC236}">
+                <a16:creationId xmlns:a16="http://schemas.microsoft.com/office/drawing/2014/main" id="{EBB07830-77B3-6120-DF85-B8346A382A73}"/>
+              </a:ext>
+            </a:extLst>
+          </p:cNvPr>
+          <p:cNvGrpSpPr/>
           <p:nvPr/>
-        </p:nvSpPr>
-        <p:spPr>
+        </p:nvGrpSpPr>
+        <p:grpSpPr>
           <a:xfrm>
-            <a:off x="8048400" y="126998"/>
-            <a:ext cx="1800000" cy="1800000"/>
+            <a:off x="2226000" y="-171000"/>
+            <a:ext cx="7622400" cy="7200000"/>
+            <a:chOff x="2226000" y="-171000"/>
+            <a:chExt cx="7622400" cy="7200000"/>
           </a:xfrm>
-          <a:prstGeom prst="ellipse">
-            <a:avLst/>
-          </a:prstGeom>
-          <a:solidFill>
-            <a:schemeClr val="tx2"/>
-          </a:solidFill>
-          <a:ln>
+        </p:grpSpPr>
+        <p:sp>
+          <p:nvSpPr>
+            <p:cNvPr id="6" name="Elipse 5">
+              <a:extLst>
+                <a:ext uri="{FF2B5EF4-FFF2-40B4-BE49-F238E27FC236}">
+                  <a16:creationId xmlns:a16="http://schemas.microsoft.com/office/drawing/2014/main" id="{F765F4A4-43C4-9095-61A7-138E7F564020}"/>
+                </a:ext>
+              </a:extLst>
+            </p:cNvPr>
+            <p:cNvSpPr/>
+            <p:nvPr/>
+          </p:nvSpPr>
+          <p:spPr>
+            <a:xfrm>
+              <a:off x="8048400" y="126998"/>
+              <a:ext cx="1800000" cy="1800000"/>
+            </a:xfrm>
+            <a:prstGeom prst="ellipse">
+              <a:avLst/>
+            </a:prstGeom>
             <a:solidFill>
               <a:schemeClr val="tx2"/>
             </a:solidFill>
-          </a:ln>
-        </p:spPr>
-        <p:style>
-          <a:lnRef idx="2">
-            <a:schemeClr val="accent4">
-              <a:shade val="15000"/>
-            </a:schemeClr>
-          </a:lnRef>
-          <a:fillRef idx="1">
-            <a:schemeClr val="accent4"/>
-          </a:fillRef>
-          <a:effectRef idx="0">
-            <a:schemeClr val="accent4"/>
-          </a:effectRef>
-          <a:fontRef idx="minor">
-            <a:schemeClr val="lt1"/>
-          </a:fontRef>
-        </p:style>
-        <p:txBody>
-          <a:bodyPr rtlCol="0" anchor="ctr"/>
-          <a:lstStyle/>
-          <a:p>
-            <a:pPr algn="ctr"/>
-            <a:endParaRPr lang="ca-ES" dirty="0"/>
-          </a:p>
-        </p:txBody>
-      </p:sp>
-      <p:sp>
-        <p:nvSpPr>
-          <p:cNvPr id="4" name="Elipse 3">
-            <a:extLst>
-              <a:ext uri="{FF2B5EF4-FFF2-40B4-BE49-F238E27FC236}">
-                <a16:creationId xmlns:a16="http://schemas.microsoft.com/office/drawing/2014/main" id="{DE2CAC41-64AB-1F61-6AC4-50DC13D86B45}"/>
-              </a:ext>
-            </a:extLst>
-          </p:cNvPr>
-          <p:cNvSpPr/>
-          <p:nvPr/>
-        </p:nvSpPr>
-        <p:spPr>
-          <a:xfrm>
-            <a:off x="2496000" y="-171000"/>
-            <a:ext cx="7200000" cy="7200000"/>
-          </a:xfrm>
-          <a:prstGeom prst="ellipse">
-            <a:avLst/>
-          </a:prstGeom>
-          <a:ln>
-            <a:solidFill>
+            <a:ln>
+              <a:solidFill>
+                <a:schemeClr val="tx2"/>
+              </a:solidFill>
+            </a:ln>
+          </p:spPr>
+          <p:style>
+            <a:lnRef idx="2">
+              <a:schemeClr val="accent4">
+                <a:shade val="15000"/>
+              </a:schemeClr>
+            </a:lnRef>
+            <a:fillRef idx="1">
               <a:schemeClr val="accent4"/>
-            </a:solidFill>
-          </a:ln>
-        </p:spPr>
-        <p:style>
-          <a:lnRef idx="2">
-            <a:schemeClr val="accent4">
-              <a:shade val="15000"/>
-            </a:schemeClr>
-          </a:lnRef>
-          <a:fillRef idx="1">
-            <a:schemeClr val="accent4"/>
-          </a:fillRef>
-          <a:effectRef idx="0">
-            <a:schemeClr val="accent4"/>
-          </a:effectRef>
-          <a:fontRef idx="minor">
-            <a:schemeClr val="lt1"/>
-          </a:fontRef>
-        </p:style>
-        <p:txBody>
-          <a:bodyPr rtlCol="0" anchor="ctr"/>
-          <a:lstStyle/>
-          <a:p>
-            <a:pPr algn="ctr"/>
-            <a:endParaRPr lang="ca-ES" dirty="0"/>
-          </a:p>
-        </p:txBody>
-      </p:sp>
-      <p:sp>
-        <p:nvSpPr>
-          <p:cNvPr id="5" name="Elipse 4">
-            <a:extLst>
-              <a:ext uri="{FF2B5EF4-FFF2-40B4-BE49-F238E27FC236}">
-                <a16:creationId xmlns:a16="http://schemas.microsoft.com/office/drawing/2014/main" id="{55521B31-82F7-FC08-FDCB-5D52D51B71FD}"/>
-              </a:ext>
-            </a:extLst>
-          </p:cNvPr>
-          <p:cNvSpPr/>
-          <p:nvPr/>
-        </p:nvSpPr>
-        <p:spPr>
-          <a:xfrm>
-            <a:off x="2226000" y="-143002"/>
-            <a:ext cx="540000" cy="540000"/>
-          </a:xfrm>
-          <a:prstGeom prst="ellipse">
-            <a:avLst/>
-          </a:prstGeom>
-          <a:solidFill>
-            <a:schemeClr val="tx2"/>
-          </a:solidFill>
-          <a:ln>
+            </a:fillRef>
+            <a:effectRef idx="0">
+              <a:schemeClr val="accent4"/>
+            </a:effectRef>
+            <a:fontRef idx="minor">
+              <a:schemeClr val="lt1"/>
+            </a:fontRef>
+          </p:style>
+          <p:txBody>
+            <a:bodyPr rtlCol="0" anchor="ctr"/>
+            <a:lstStyle/>
+            <a:p>
+              <a:pPr algn="ctr"/>
+              <a:endParaRPr lang="ca-ES" dirty="0"/>
+            </a:p>
+          </p:txBody>
+        </p:sp>
+        <p:sp>
+          <p:nvSpPr>
+            <p:cNvPr id="4" name="Elipse 3">
+              <a:extLst>
+                <a:ext uri="{FF2B5EF4-FFF2-40B4-BE49-F238E27FC236}">
+                  <a16:creationId xmlns:a16="http://schemas.microsoft.com/office/drawing/2014/main" id="{DE2CAC41-64AB-1F61-6AC4-50DC13D86B45}"/>
+                </a:ext>
+              </a:extLst>
+            </p:cNvPr>
+            <p:cNvSpPr/>
+            <p:nvPr/>
+          </p:nvSpPr>
+          <p:spPr>
+            <a:xfrm>
+              <a:off x="2496000" y="-171000"/>
+              <a:ext cx="7200000" cy="7200000"/>
+            </a:xfrm>
+            <a:prstGeom prst="ellipse">
+              <a:avLst/>
+            </a:prstGeom>
+            <a:ln>
+              <a:solidFill>
+                <a:schemeClr val="accent4"/>
+              </a:solidFill>
+            </a:ln>
+          </p:spPr>
+          <p:style>
+            <a:lnRef idx="2">
+              <a:schemeClr val="accent4">
+                <a:shade val="15000"/>
+              </a:schemeClr>
+            </a:lnRef>
+            <a:fillRef idx="1">
+              <a:schemeClr val="accent4"/>
+            </a:fillRef>
+            <a:effectRef idx="0">
+              <a:schemeClr val="accent4"/>
+            </a:effectRef>
+            <a:fontRef idx="minor">
+              <a:schemeClr val="lt1"/>
+            </a:fontRef>
+          </p:style>
+          <p:txBody>
+            <a:bodyPr rtlCol="0" anchor="ctr"/>
+            <a:lstStyle/>
+            <a:p>
+              <a:pPr algn="ctr"/>
+              <a:endParaRPr lang="ca-ES" dirty="0"/>
+            </a:p>
+          </p:txBody>
+        </p:sp>
+        <p:sp>
+          <p:nvSpPr>
+            <p:cNvPr id="5" name="Elipse 4">
+              <a:extLst>
+                <a:ext uri="{FF2B5EF4-FFF2-40B4-BE49-F238E27FC236}">
+                  <a16:creationId xmlns:a16="http://schemas.microsoft.com/office/drawing/2014/main" id="{55521B31-82F7-FC08-FDCB-5D52D51B71FD}"/>
+                </a:ext>
+              </a:extLst>
+            </p:cNvPr>
+            <p:cNvSpPr/>
+            <p:nvPr/>
+          </p:nvSpPr>
+          <p:spPr>
+            <a:xfrm>
+              <a:off x="2226000" y="-143002"/>
+              <a:ext cx="540000" cy="540000"/>
+            </a:xfrm>
+            <a:prstGeom prst="ellipse">
+              <a:avLst/>
+            </a:prstGeom>
             <a:solidFill>
               <a:schemeClr val="tx2"/>
             </a:solidFill>
-          </a:ln>
-        </p:spPr>
-        <p:style>
-          <a:lnRef idx="2">
-            <a:schemeClr val="accent4">
-              <a:shade val="15000"/>
-            </a:schemeClr>
-          </a:lnRef>
-          <a:fillRef idx="1">
-            <a:schemeClr val="accent4"/>
-          </a:fillRef>
-          <a:effectRef idx="0">
-            <a:schemeClr val="accent4"/>
-          </a:effectRef>
-          <a:fontRef idx="minor">
-            <a:schemeClr val="lt1"/>
-          </a:fontRef>
-        </p:style>
-        <p:txBody>
-          <a:bodyPr rtlCol="0" anchor="ctr"/>
-          <a:lstStyle/>
-          <a:p>
-            <a:pPr algn="ctr"/>
-            <a:endParaRPr lang="ca-ES" dirty="0"/>
-          </a:p>
-        </p:txBody>
-      </p:sp>
-      <p:pic>
-        <p:nvPicPr>
-          <p:cNvPr id="12" name="Imagen 11">
-            <a:extLst>
-              <a:ext uri="{FF2B5EF4-FFF2-40B4-BE49-F238E27FC236}">
-                <a16:creationId xmlns:a16="http://schemas.microsoft.com/office/drawing/2014/main" id="{EC6EA7D2-D39D-3941-107F-AF46BEA4ACB3}"/>
-              </a:ext>
-            </a:extLst>
-          </p:cNvPr>
-          <p:cNvPicPr>
-            <a:picLocks noChangeAspect="1"/>
-          </p:cNvPicPr>
-          <p:nvPr/>
-        </p:nvPicPr>
-        <p:blipFill>
-          <a:blip r:embed="rId2">
-            <a:extLst>
-              <a:ext uri="{28A0092B-C50C-407E-A947-70E740481C1C}">
-                <a14:useLocalDpi xmlns:a14="http://schemas.microsoft.com/office/drawing/2010/main" val="0"/>
-              </a:ext>
-            </a:extLst>
-          </a:blip>
-          <a:stretch>
-            <a:fillRect/>
-          </a:stretch>
-        </p:blipFill>
-        <p:spPr>
-          <a:xfrm>
-            <a:off x="2496000" y="-171000"/>
-            <a:ext cx="7200000" cy="7200000"/>
-          </a:xfrm>
-          <a:prstGeom prst="ellipse">
-            <a:avLst/>
-          </a:prstGeom>
-        </p:spPr>
-      </p:pic>
+            <a:ln>
+              <a:solidFill>
+                <a:schemeClr val="tx2"/>
+              </a:solidFill>
+            </a:ln>
+          </p:spPr>
+          <p:style>
+            <a:lnRef idx="2">
+              <a:schemeClr val="accent4">
+                <a:shade val="15000"/>
+              </a:schemeClr>
+            </a:lnRef>
+            <a:fillRef idx="1">
+              <a:schemeClr val="accent4"/>
+            </a:fillRef>
+            <a:effectRef idx="0">
+              <a:schemeClr val="accent4"/>
+            </a:effectRef>
+            <a:fontRef idx="minor">
+              <a:schemeClr val="lt1"/>
+            </a:fontRef>
+          </p:style>
+          <p:txBody>
+            <a:bodyPr rtlCol="0" anchor="ctr"/>
+            <a:lstStyle/>
+            <a:p>
+              <a:pPr algn="ctr"/>
+              <a:endParaRPr lang="ca-ES" dirty="0"/>
+            </a:p>
+          </p:txBody>
+        </p:sp>
+        <p:pic>
+          <p:nvPicPr>
+            <p:cNvPr id="12" name="Imagen 11">
+              <a:extLst>
+                <a:ext uri="{FF2B5EF4-FFF2-40B4-BE49-F238E27FC236}">
+                  <a16:creationId xmlns:a16="http://schemas.microsoft.com/office/drawing/2014/main" id="{EC6EA7D2-D39D-3941-107F-AF46BEA4ACB3}"/>
+                </a:ext>
+              </a:extLst>
+            </p:cNvPr>
+            <p:cNvPicPr>
+              <a:picLocks noChangeAspect="1"/>
+            </p:cNvPicPr>
+            <p:nvPr/>
+          </p:nvPicPr>
+          <p:blipFill>
+            <a:blip r:embed="rId2">
+              <a:extLst>
+                <a:ext uri="{28A0092B-C50C-407E-A947-70E740481C1C}">
+                  <a14:useLocalDpi xmlns:a14="http://schemas.microsoft.com/office/drawing/2010/main" val="0"/>
+                </a:ext>
+              </a:extLst>
+            </a:blip>
+            <a:stretch>
+              <a:fillRect/>
+            </a:stretch>
+          </p:blipFill>
+          <p:spPr>
+            <a:xfrm>
+              <a:off x="2496000" y="-171000"/>
+              <a:ext cx="7200000" cy="7200000"/>
+            </a:xfrm>
+            <a:prstGeom prst="ellipse">
+              <a:avLst/>
+            </a:prstGeom>
+          </p:spPr>
+        </p:pic>
+      </p:grpSp>
     </p:spTree>
     <p:extLst>
       <p:ext uri="{BB962C8B-B14F-4D97-AF65-F5344CB8AC3E}">
         <p14:creationId xmlns:p14="http://schemas.microsoft.com/office/powerpoint/2010/main" val="3504169173"/>
+      </p:ext>
+    </p:extLst>
+  </p:cSld>
+  <p:clrMapOvr>
+    <a:masterClrMapping/>
+  </p:clrMapOvr>
+</p:sld>
+</file>
+
+<file path=ppt/slides/slide2.xml><?xml version="1.0" encoding="utf-8"?>
+<p:sld xmlns:a="http://schemas.openxmlformats.org/drawingml/2006/main" xmlns:r="http://schemas.openxmlformats.org/officeDocument/2006/relationships" xmlns:p="http://schemas.openxmlformats.org/presentationml/2006/main">
+  <p:cSld>
+    <p:spTree>
+      <p:nvGrpSpPr>
+        <p:cNvPr id="1" name="">
+          <a:extLst>
+            <a:ext uri="{FF2B5EF4-FFF2-40B4-BE49-F238E27FC236}">
+              <a16:creationId xmlns:a16="http://schemas.microsoft.com/office/drawing/2014/main" id="{FE4FA920-2799-5C21-6A12-BC2D9C97CE99}"/>
+            </a:ext>
+          </a:extLst>
+        </p:cNvPr>
+        <p:cNvGrpSpPr/>
+        <p:nvPr/>
+      </p:nvGrpSpPr>
+      <p:grpSpPr>
+        <a:xfrm>
+          <a:off x="0" y="0"/>
+          <a:ext cx="0" cy="0"/>
+          <a:chOff x="0" y="0"/>
+          <a:chExt cx="0" cy="0"/>
+        </a:xfrm>
+      </p:grpSpPr>
+      <p:grpSp>
+        <p:nvGrpSpPr>
+          <p:cNvPr id="2" name="Grupo 1">
+            <a:extLst>
+              <a:ext uri="{FF2B5EF4-FFF2-40B4-BE49-F238E27FC236}">
+                <a16:creationId xmlns:a16="http://schemas.microsoft.com/office/drawing/2014/main" id="{4050252C-D867-8F2B-62A8-31DE3E4BBE0F}"/>
+              </a:ext>
+            </a:extLst>
+          </p:cNvPr>
+          <p:cNvGrpSpPr/>
+          <p:nvPr/>
+        </p:nvGrpSpPr>
+        <p:grpSpPr>
+          <a:xfrm>
+            <a:off x="2496000" y="-171000"/>
+            <a:ext cx="7200000" cy="7200000"/>
+            <a:chOff x="2496000" y="-171000"/>
+            <a:chExt cx="7200000" cy="7200000"/>
+          </a:xfrm>
+        </p:grpSpPr>
+        <p:sp>
+          <p:nvSpPr>
+            <p:cNvPr id="4" name="Elipse 3">
+              <a:extLst>
+                <a:ext uri="{FF2B5EF4-FFF2-40B4-BE49-F238E27FC236}">
+                  <a16:creationId xmlns:a16="http://schemas.microsoft.com/office/drawing/2014/main" id="{14BF0427-82E3-36D6-D018-73D5AA34990A}"/>
+                </a:ext>
+              </a:extLst>
+            </p:cNvPr>
+            <p:cNvSpPr/>
+            <p:nvPr/>
+          </p:nvSpPr>
+          <p:spPr>
+            <a:xfrm>
+              <a:off x="2496000" y="-171000"/>
+              <a:ext cx="7200000" cy="7200000"/>
+            </a:xfrm>
+            <a:prstGeom prst="ellipse">
+              <a:avLst/>
+            </a:prstGeom>
+            <a:solidFill>
+              <a:schemeClr val="accent5"/>
+            </a:solidFill>
+            <a:ln>
+              <a:solidFill>
+                <a:schemeClr val="tx2"/>
+              </a:solidFill>
+            </a:ln>
+          </p:spPr>
+          <p:style>
+            <a:lnRef idx="2">
+              <a:schemeClr val="accent4">
+                <a:shade val="15000"/>
+              </a:schemeClr>
+            </a:lnRef>
+            <a:fillRef idx="1">
+              <a:schemeClr val="accent4"/>
+            </a:fillRef>
+            <a:effectRef idx="0">
+              <a:schemeClr val="accent4"/>
+            </a:effectRef>
+            <a:fontRef idx="minor">
+              <a:schemeClr val="lt1"/>
+            </a:fontRef>
+          </p:style>
+          <p:txBody>
+            <a:bodyPr rtlCol="0" anchor="ctr"/>
+            <a:lstStyle/>
+            <a:p>
+              <a:pPr algn="ctr"/>
+              <a:endParaRPr lang="ca-ES" dirty="0"/>
+            </a:p>
+          </p:txBody>
+        </p:sp>
+        <p:pic>
+          <p:nvPicPr>
+            <p:cNvPr id="12" name="Imagen 11">
+              <a:extLst>
+                <a:ext uri="{FF2B5EF4-FFF2-40B4-BE49-F238E27FC236}">
+                  <a16:creationId xmlns:a16="http://schemas.microsoft.com/office/drawing/2014/main" id="{327523D2-08B1-78A2-FB37-916FB1E6DC33}"/>
+                </a:ext>
+              </a:extLst>
+            </p:cNvPr>
+            <p:cNvPicPr>
+              <a:picLocks noChangeAspect="1"/>
+            </p:cNvPicPr>
+            <p:nvPr/>
+          </p:nvPicPr>
+          <p:blipFill>
+            <a:blip r:embed="rId2">
+              <a:extLst>
+                <a:ext uri="{28A0092B-C50C-407E-A947-70E740481C1C}">
+                  <a14:useLocalDpi xmlns:a14="http://schemas.microsoft.com/office/drawing/2010/main" val="0"/>
+                </a:ext>
+              </a:extLst>
+            </a:blip>
+            <a:stretch>
+              <a:fillRect/>
+            </a:stretch>
+          </p:blipFill>
+          <p:spPr>
+            <a:xfrm>
+              <a:off x="2496000" y="-171000"/>
+              <a:ext cx="7200000" cy="7200000"/>
+            </a:xfrm>
+            <a:prstGeom prst="ellipse">
+              <a:avLst/>
+            </a:prstGeom>
+          </p:spPr>
+        </p:pic>
+      </p:grpSp>
+    </p:spTree>
+    <p:extLst>
+      <p:ext uri="{BB962C8B-B14F-4D97-AF65-F5344CB8AC3E}">
+        <p14:creationId xmlns:p14="http://schemas.microsoft.com/office/powerpoint/2010/main" val="717352705"/>
       </p:ext>
     </p:extLst>
   </p:cSld>
